--- a/程式交易/李泓慶時間序列.pptx
+++ b/程式交易/李泓慶時間序列.pptx
@@ -530,7 +530,7 @@
           <a:p>
             <a:fld id="{F8F538CD-23DC-443C-8337-25C0F7F8A813}" type="datetimeFigureOut">
               <a:rPr lang="zh-TW" altLang="en-US" smtClean="0"/>
-              <a:t>2019/12/16</a:t>
+              <a:t>2019/12/31</a:t>
             </a:fld>
             <a:endParaRPr lang="zh-TW" altLang="en-US"/>
           </a:p>
@@ -695,7 +695,7 @@
           <a:p>
             <a:fld id="{53C27738-402F-49E5-96F1-B88A19300462}" type="datetimeFigureOut">
               <a:rPr lang="zh-TW" altLang="en-US" smtClean="0"/>
-              <a:t>2019/12/16</a:t>
+              <a:t>2019/12/31</a:t>
             </a:fld>
             <a:endParaRPr lang="zh-TW" altLang="en-US"/>
           </a:p>
@@ -1148,7 +1148,7 @@
                 </a:solidFill>
               </a:rPr>
               <a:pPr/>
-              <a:t>2019/12/16</a:t>
+              <a:t>2019/12/31</a:t>
             </a:fld>
             <a:endParaRPr lang="zh-TW" altLang="en-US">
               <a:solidFill>
@@ -1348,7 +1348,7 @@
                 </a:solidFill>
               </a:rPr>
               <a:pPr/>
-              <a:t>2019/12/16</a:t>
+              <a:t>2019/12/31</a:t>
             </a:fld>
             <a:endParaRPr lang="zh-TW" altLang="en-US">
               <a:solidFill>
@@ -1558,7 +1558,7 @@
                 </a:solidFill>
               </a:rPr>
               <a:pPr/>
-              <a:t>2019/12/16</a:t>
+              <a:t>2019/12/31</a:t>
             </a:fld>
             <a:endParaRPr lang="zh-TW" altLang="en-US">
               <a:solidFill>
@@ -1707,7 +1707,7 @@
                 </a:solidFill>
               </a:rPr>
               <a:pPr/>
-              <a:t>2019/12/16</a:t>
+              <a:t>2019/12/31</a:t>
             </a:fld>
             <a:endParaRPr lang="zh-TW" altLang="en-US">
               <a:solidFill>
@@ -1963,7 +1963,7 @@
                 </a:solidFill>
               </a:rPr>
               <a:pPr/>
-              <a:t>2019/12/16</a:t>
+              <a:t>2019/12/31</a:t>
             </a:fld>
             <a:endParaRPr lang="zh-TW" altLang="en-US" dirty="0">
               <a:solidFill>
@@ -2219,7 +2219,7 @@
                 </a:solidFill>
               </a:rPr>
               <a:pPr/>
-              <a:t>2019/12/16</a:t>
+              <a:t>2019/12/31</a:t>
             </a:fld>
             <a:endParaRPr lang="zh-TW" altLang="en-US">
               <a:solidFill>
@@ -2531,7 +2531,7 @@
                 </a:solidFill>
               </a:rPr>
               <a:pPr/>
-              <a:t>2019/12/16</a:t>
+              <a:t>2019/12/31</a:t>
             </a:fld>
             <a:endParaRPr lang="zh-TW" altLang="en-US">
               <a:solidFill>
@@ -2826,7 +2826,7 @@
                 </a:solidFill>
               </a:rPr>
               <a:pPr/>
-              <a:t>2019/12/16</a:t>
+              <a:t>2019/12/31</a:t>
             </a:fld>
             <a:endParaRPr lang="zh-TW" altLang="en-US">
               <a:solidFill>
@@ -3429,7 +3429,7 @@
                 </a:solidFill>
               </a:rPr>
               <a:pPr/>
-              <a:t>2019/12/16</a:t>
+              <a:t>2019/12/31</a:t>
             </a:fld>
             <a:endParaRPr lang="zh-TW" altLang="en-US">
               <a:solidFill>
@@ -3685,7 +3685,7 @@
                 </a:solidFill>
               </a:rPr>
               <a:pPr/>
-              <a:t>2019/12/16</a:t>
+              <a:t>2019/12/31</a:t>
             </a:fld>
             <a:endParaRPr lang="zh-TW" altLang="en-US" dirty="0">
               <a:solidFill>
@@ -4003,7 +4003,7 @@
                 </a:solidFill>
               </a:rPr>
               <a:pPr/>
-              <a:t>2019/12/16</a:t>
+              <a:t>2019/12/31</a:t>
             </a:fld>
             <a:endParaRPr lang="zh-TW" altLang="en-US">
               <a:solidFill>
@@ -4269,7 +4269,7 @@
                 </a:solidFill>
               </a:rPr>
               <a:pPr/>
-              <a:t>2019/12/16</a:t>
+              <a:t>2019/12/31</a:t>
             </a:fld>
             <a:endParaRPr lang="zh-TW" altLang="en-US">
               <a:solidFill>
@@ -4989,7 +4989,7 @@
                 </a:solidFill>
               </a:rPr>
               <a:pPr/>
-              <a:t>2019/12/16</a:t>
+              <a:t>2019/12/31</a:t>
             </a:fld>
             <a:endParaRPr lang="zh-TW" altLang="en-US">
               <a:solidFill>
@@ -5362,7 +5362,7 @@
                 </a:solidFill>
               </a:rPr>
               <a:pPr/>
-              <a:t>2019/12/16</a:t>
+              <a:t>2019/12/31</a:t>
             </a:fld>
             <a:endParaRPr lang="zh-TW" altLang="en-US">
               <a:solidFill>
@@ -5618,7 +5618,7 @@
                 </a:solidFill>
               </a:rPr>
               <a:pPr/>
-              <a:t>2019/12/16</a:t>
+              <a:t>2019/12/31</a:t>
             </a:fld>
             <a:endParaRPr lang="zh-TW" altLang="en-US" dirty="0">
               <a:solidFill>
@@ -5874,7 +5874,7 @@
                 </a:solidFill>
               </a:rPr>
               <a:pPr/>
-              <a:t>2019/12/16</a:t>
+              <a:t>2019/12/31</a:t>
             </a:fld>
             <a:endParaRPr lang="zh-TW" altLang="en-US">
               <a:solidFill>
@@ -6186,7 +6186,7 @@
                 </a:solidFill>
               </a:rPr>
               <a:pPr/>
-              <a:t>2019/12/16</a:t>
+              <a:t>2019/12/31</a:t>
             </a:fld>
             <a:endParaRPr lang="zh-TW" altLang="en-US">
               <a:solidFill>
@@ -6631,7 +6631,7 @@
                 </a:solidFill>
               </a:rPr>
               <a:pPr/>
-              <a:t>2019/12/16</a:t>
+              <a:t>2019/12/31</a:t>
             </a:fld>
             <a:endParaRPr lang="zh-TW" altLang="en-US">
               <a:solidFill>
@@ -6959,7 +6959,7 @@
                 </a:solidFill>
               </a:rPr>
               <a:pPr/>
-              <a:t>2019/12/16</a:t>
+              <a:t>2019/12/31</a:t>
             </a:fld>
             <a:endParaRPr lang="zh-TW" altLang="en-US" dirty="0">
               <a:solidFill>
@@ -7416,7 +7416,7 @@
                 </a:solidFill>
               </a:rPr>
               <a:pPr/>
-              <a:t>2019/12/16</a:t>
+              <a:t>2019/12/31</a:t>
             </a:fld>
             <a:endParaRPr lang="zh-TW" altLang="en-US">
               <a:solidFill>
@@ -7571,7 +7571,7 @@
                 </a:solidFill>
               </a:rPr>
               <a:pPr/>
-              <a:t>2019/12/16</a:t>
+              <a:t>2019/12/31</a:t>
             </a:fld>
             <a:endParaRPr lang="zh-TW" altLang="en-US">
               <a:solidFill>
@@ -7698,7 +7698,7 @@
                 </a:solidFill>
               </a:rPr>
               <a:pPr/>
-              <a:t>2019/12/16</a:t>
+              <a:t>2019/12/31</a:t>
             </a:fld>
             <a:endParaRPr lang="zh-TW" altLang="en-US">
               <a:solidFill>
@@ -8007,7 +8007,7 @@
                 </a:solidFill>
               </a:rPr>
               <a:pPr/>
-              <a:t>2019/12/16</a:t>
+              <a:t>2019/12/31</a:t>
             </a:fld>
             <a:endParaRPr lang="zh-TW" altLang="en-US">
               <a:solidFill>
@@ -8291,7 +8291,7 @@
                 </a:solidFill>
               </a:rPr>
               <a:pPr/>
-              <a:t>2019/12/16</a:t>
+              <a:t>2019/12/31</a:t>
             </a:fld>
             <a:endParaRPr lang="zh-TW" altLang="en-US">
               <a:solidFill>
@@ -8534,7 +8534,7 @@
                 </a:solidFill>
               </a:rPr>
               <a:pPr/>
-              <a:t>2019/12/16</a:t>
+              <a:t>2019/12/31</a:t>
             </a:fld>
             <a:endParaRPr lang="zh-TW" altLang="en-US">
               <a:solidFill>
@@ -9178,11 +9178,19 @@
           <a:p>
             <a:r>
               <a:rPr lang="en-US" altLang="zh-TW" dirty="0"/>
-              <a:t>Step4.</a:t>
-            </a:r>
-            <a:r>
-              <a:rPr lang="zh-TW" altLang="en-US" dirty="0"/>
-              <a:t>召喚統計結果</a:t>
+              <a:t>Step4</a:t>
+            </a:r>
+            <a:r>
+              <a:rPr lang="en-US" altLang="zh-TW" dirty="0" smtClean="0"/>
+              <a:t>.</a:t>
+            </a:r>
+            <a:r>
+              <a:rPr lang="zh-TW" altLang="en-US" dirty="0" smtClean="0"/>
+              <a:t>統計</a:t>
+            </a:r>
+            <a:r>
+              <a:rPr lang="zh-TW" altLang="en-US" dirty="0"/>
+              <a:t>結果</a:t>
             </a:r>
           </a:p>
         </p:txBody>
@@ -14824,17 +14832,20 @@
         </p:nvSpPr>
         <p:spPr/>
         <p:txBody>
-          <a:bodyPr/>
+          <a:bodyPr>
+            <a:normAutofit/>
+          </a:bodyPr>
           <a:lstStyle/>
           <a:p>
             <a:r>
-              <a:rPr lang="en-US" altLang="zh-TW" dirty="0"/>
+              <a:rPr lang="en-US" altLang="zh-TW" dirty="0" smtClean="0"/>
               <a:t>Step.3.5-</a:t>
             </a:r>
             <a:r>
-              <a:rPr lang="zh-TW" altLang="en-US" dirty="0"/>
-              <a:t>解釋一下</a:t>
-            </a:r>
+              <a:rPr lang="zh-TW" altLang="en-US" dirty="0" smtClean="0"/>
+              <a:t>統計補充</a:t>
+            </a:r>
+            <a:endParaRPr lang="zh-TW" altLang="en-US" dirty="0"/>
           </a:p>
         </p:txBody>
       </p:sp>
@@ -15658,11 +15669,27 @@
           <a:p>
             <a:r>
               <a:rPr lang="en-US" altLang="zh-TW" dirty="0"/>
-              <a:t>Step4.</a:t>
-            </a:r>
-            <a:r>
-              <a:rPr lang="zh-TW" altLang="en-US" dirty="0"/>
-              <a:t>召喚統計軟體</a:t>
+              <a:t>Step4</a:t>
+            </a:r>
+            <a:r>
+              <a:rPr lang="en-US" altLang="zh-TW" dirty="0" smtClean="0"/>
+              <a:t>.</a:t>
+            </a:r>
+            <a:r>
+              <a:rPr lang="zh-TW" altLang="en-US" dirty="0" smtClean="0"/>
+              <a:t>使</a:t>
+            </a:r>
+            <a:r>
+              <a:rPr lang="zh-TW" altLang="en-US" dirty="0"/>
+              <a:t>用</a:t>
+            </a:r>
+            <a:r>
+              <a:rPr lang="zh-TW" altLang="en-US" dirty="0" smtClean="0"/>
+              <a:t>統計</a:t>
+            </a:r>
+            <a:r>
+              <a:rPr lang="zh-TW" altLang="en-US" dirty="0"/>
+              <a:t>軟體</a:t>
             </a:r>
           </a:p>
         </p:txBody>
@@ -16010,11 +16037,19 @@
           <a:p>
             <a:r>
               <a:rPr lang="en-US" altLang="zh-TW" dirty="0"/>
-              <a:t>Step4.</a:t>
-            </a:r>
-            <a:r>
-              <a:rPr lang="zh-TW" altLang="en-US" dirty="0"/>
-              <a:t>召喚統計結果</a:t>
+              <a:t>Step4</a:t>
+            </a:r>
+            <a:r>
+              <a:rPr lang="en-US" altLang="zh-TW" dirty="0" smtClean="0"/>
+              <a:t>.</a:t>
+            </a:r>
+            <a:r>
+              <a:rPr lang="zh-TW" altLang="en-US" dirty="0" smtClean="0"/>
+              <a:t>統計</a:t>
+            </a:r>
+            <a:r>
+              <a:rPr lang="zh-TW" altLang="en-US" dirty="0"/>
+              <a:t>結果</a:t>
             </a:r>
           </a:p>
         </p:txBody>
